--- a/slides/0x400/0x407 - Introducing Ghidra.pptx
+++ b/slides/0x400/0x407 - Introducing Ghidra.pptx
@@ -300,7 +300,7 @@
           <a:p>
             <a:fld id="{284D57D4-96EB-485F-885D-A03F9F5EA4CF}" type="datetimeFigureOut">
               <a:rPr lang="en-CA" smtClean="0"/>
-              <a:t>2020-11-09</a:t>
+              <a:t>2023-10-25</a:t>
             </a:fld>
             <a:endParaRPr lang="en-CA"/>
           </a:p>
@@ -500,7 +500,7 @@
           <a:p>
             <a:fld id="{284D57D4-96EB-485F-885D-A03F9F5EA4CF}" type="datetimeFigureOut">
               <a:rPr lang="en-CA" smtClean="0"/>
-              <a:t>2020-11-09</a:t>
+              <a:t>2023-10-25</a:t>
             </a:fld>
             <a:endParaRPr lang="en-CA"/>
           </a:p>
@@ -710,7 +710,7 @@
           <a:p>
             <a:fld id="{284D57D4-96EB-485F-885D-A03F9F5EA4CF}" type="datetimeFigureOut">
               <a:rPr lang="en-CA" smtClean="0"/>
-              <a:t>2020-11-09</a:t>
+              <a:t>2023-10-25</a:t>
             </a:fld>
             <a:endParaRPr lang="en-CA"/>
           </a:p>
@@ -910,7 +910,7 @@
           <a:p>
             <a:fld id="{284D57D4-96EB-485F-885D-A03F9F5EA4CF}" type="datetimeFigureOut">
               <a:rPr lang="en-CA" smtClean="0"/>
-              <a:t>2020-11-09</a:t>
+              <a:t>2023-10-25</a:t>
             </a:fld>
             <a:endParaRPr lang="en-CA"/>
           </a:p>
@@ -1186,7 +1186,7 @@
           <a:p>
             <a:fld id="{284D57D4-96EB-485F-885D-A03F9F5EA4CF}" type="datetimeFigureOut">
               <a:rPr lang="en-CA" smtClean="0"/>
-              <a:t>2020-11-09</a:t>
+              <a:t>2023-10-25</a:t>
             </a:fld>
             <a:endParaRPr lang="en-CA"/>
           </a:p>
@@ -1454,7 +1454,7 @@
           <a:p>
             <a:fld id="{284D57D4-96EB-485F-885D-A03F9F5EA4CF}" type="datetimeFigureOut">
               <a:rPr lang="en-CA" smtClean="0"/>
-              <a:t>2020-11-09</a:t>
+              <a:t>2023-10-25</a:t>
             </a:fld>
             <a:endParaRPr lang="en-CA"/>
           </a:p>
@@ -1869,7 +1869,7 @@
           <a:p>
             <a:fld id="{284D57D4-96EB-485F-885D-A03F9F5EA4CF}" type="datetimeFigureOut">
               <a:rPr lang="en-CA" smtClean="0"/>
-              <a:t>2020-11-09</a:t>
+              <a:t>2023-10-25</a:t>
             </a:fld>
             <a:endParaRPr lang="en-CA"/>
           </a:p>
@@ -2011,7 +2011,7 @@
           <a:p>
             <a:fld id="{284D57D4-96EB-485F-885D-A03F9F5EA4CF}" type="datetimeFigureOut">
               <a:rPr lang="en-CA" smtClean="0"/>
-              <a:t>2020-11-09</a:t>
+              <a:t>2023-10-25</a:t>
             </a:fld>
             <a:endParaRPr lang="en-CA"/>
           </a:p>
@@ -2124,7 +2124,7 @@
           <a:p>
             <a:fld id="{284D57D4-96EB-485F-885D-A03F9F5EA4CF}" type="datetimeFigureOut">
               <a:rPr lang="en-CA" smtClean="0"/>
-              <a:t>2020-11-09</a:t>
+              <a:t>2023-10-25</a:t>
             </a:fld>
             <a:endParaRPr lang="en-CA"/>
           </a:p>
@@ -2437,7 +2437,7 @@
           <a:p>
             <a:fld id="{284D57D4-96EB-485F-885D-A03F9F5EA4CF}" type="datetimeFigureOut">
               <a:rPr lang="en-CA" smtClean="0"/>
-              <a:t>2020-11-09</a:t>
+              <a:t>2023-10-25</a:t>
             </a:fld>
             <a:endParaRPr lang="en-CA"/>
           </a:p>
@@ -2726,7 +2726,7 @@
           <a:p>
             <a:fld id="{284D57D4-96EB-485F-885D-A03F9F5EA4CF}" type="datetimeFigureOut">
               <a:rPr lang="en-CA" smtClean="0"/>
-              <a:t>2020-11-09</a:t>
+              <a:t>2023-10-25</a:t>
             </a:fld>
             <a:endParaRPr lang="en-CA"/>
           </a:p>
@@ -2969,7 +2969,7 @@
           <a:p>
             <a:fld id="{284D57D4-96EB-485F-885D-A03F9F5EA4CF}" type="datetimeFigureOut">
               <a:rPr lang="en-CA" smtClean="0"/>
-              <a:t>2020-11-09</a:t>
+              <a:t>2023-10-25</a:t>
             </a:fld>
             <a:endParaRPr lang="en-CA"/>
           </a:p>
@@ -4185,13 +4185,13 @@
           <a:p>
             <a:r>
               <a:rPr lang="en-US" dirty="0"/>
-              <a:t>See Lab #1 “Setup” instructions to be able to load this file.</a:t>
+              <a:t>See Lab #3 “Setup” instructions to be able to load this file.</a:t>
             </a:r>
           </a:p>
           <a:p>
             <a:r>
               <a:rPr lang="en-US" dirty="0"/>
-              <a:t>Lab #1 will have you work with it in a little more detail.</a:t>
+              <a:t>Lab #3 will have you work with it in a little more detail.</a:t>
             </a:r>
             <a:endParaRPr lang="en-CA" dirty="0"/>
           </a:p>
@@ -4425,9 +4425,12 @@
               <a:rPr lang="en-US" dirty="0">
                 <a:hlinkClick r:id="rId3"/>
               </a:rPr>
-              <a:t>https://github.com/colinoflynn/eced4406/releases/download/0.0/ghidra_9.1.2_PUBLIC_WITHJRE.zip</a:t>
-            </a:r>
-            <a:endParaRPr lang="en-US" dirty="0"/>
+              <a:t>https://github.com/colinoflynn/eced4406/releases/download/0.3/ghidra_10.2.3_PUBLIC_withJRE.zip</a:t>
+            </a:r>
+            <a:r>
+              <a:rPr lang="en-US" dirty="0"/>
+              <a:t> </a:t>
+            </a:r>
           </a:p>
           <a:p>
             <a:pPr marL="0" indent="0">
@@ -4450,7 +4453,7 @@
             </a:pPr>
             <a:r>
               <a:rPr lang="en-US" dirty="0"/>
-              <a:t>See Lab #1 instructions for more about getting </a:t>
+              <a:t>See Lab #3 instructions for more about getting </a:t>
             </a:r>
             <a:r>
               <a:rPr lang="en-US" dirty="0" err="1"/>
@@ -4688,8 +4691,14 @@
               <a:buNone/>
             </a:pPr>
             <a:r>
+              <a:rPr lang="en-CA" dirty="0">
+                <a:hlinkClick r:id="rId3"/>
+              </a:rPr>
+              <a:t>https://hackaday.io/course/172292-introduction-to-reverse-engineering-with-ghidra</a:t>
+            </a:r>
+            <a:r>
               <a:rPr lang="en-CA" dirty="0"/>
-              <a:t>https://hackaday.io/course/172292-introduction-to-reverse-engineering-with-ghidra</a:t>
+              <a:t> </a:t>
             </a:r>
           </a:p>
         </p:txBody>
